--- a/산출문서/화면설계서/화면설계서_서식(1조. HappyVirus) (최종).pptx
+++ b/산출문서/화면설계서/화면설계서_서식(1조. HappyVirus) (최종).pptx
@@ -5320,6 +5320,62 @@
               </a:rPr>
               <a:t>로 이동</a:t>
             </a:r>
+            <a:endParaRPr lang="en-US" altLang="ko-KR" sz="1200" dirty="0">
+              <a:solidFill>
+                <a:schemeClr val="tx1"/>
+              </a:solidFill>
+              <a:latin typeface="+mn-ea"/>
+            </a:endParaRPr>
+          </a:p>
+          <a:p>
+            <a:endParaRPr lang="en-US" altLang="ko-KR" sz="1200" kern="0" dirty="0">
+              <a:solidFill>
+                <a:schemeClr val="tx1"/>
+              </a:solidFill>
+              <a:latin typeface="+mn-ea"/>
+            </a:endParaRPr>
+          </a:p>
+          <a:p>
+            <a:endParaRPr lang="en-US" altLang="ko-KR" sz="1200" kern="0" dirty="0">
+              <a:solidFill>
+                <a:schemeClr val="tx1"/>
+              </a:solidFill>
+              <a:latin typeface="+mn-ea"/>
+            </a:endParaRPr>
+          </a:p>
+          <a:p>
+            <a:endParaRPr lang="en-US" altLang="ko-KR" sz="1200" kern="0" dirty="0">
+              <a:solidFill>
+                <a:schemeClr val="tx1"/>
+              </a:solidFill>
+              <a:latin typeface="+mn-ea"/>
+            </a:endParaRPr>
+          </a:p>
+          <a:p>
+            <a:endParaRPr lang="en-US" altLang="ko-KR" sz="1200" kern="0" dirty="0">
+              <a:solidFill>
+                <a:schemeClr val="tx1"/>
+              </a:solidFill>
+              <a:latin typeface="+mn-ea"/>
+            </a:endParaRPr>
+          </a:p>
+          <a:p>
+            <a:endParaRPr lang="en-US" altLang="ko-KR" sz="1200" kern="0" dirty="0">
+              <a:solidFill>
+                <a:schemeClr val="tx1"/>
+              </a:solidFill>
+              <a:latin typeface="+mn-ea"/>
+            </a:endParaRPr>
+          </a:p>
+          <a:p>
+            <a:endParaRPr lang="en-US" altLang="ko-KR" sz="1200" kern="0" dirty="0">
+              <a:solidFill>
+                <a:schemeClr val="tx1"/>
+              </a:solidFill>
+              <a:latin typeface="+mn-ea"/>
+            </a:endParaRPr>
+          </a:p>
+          <a:p>
             <a:endParaRPr lang="en-US" altLang="ko-KR" sz="1200" kern="0" dirty="0">
               <a:solidFill>
                 <a:srgbClr val="000000"/>
@@ -5997,8 +6053,8 @@
         </p:blipFill>
         <p:spPr>
           <a:xfrm>
-            <a:off x="3020035" y="752038"/>
-            <a:ext cx="6609127" cy="3282348"/>
+            <a:off x="3020035" y="758905"/>
+            <a:ext cx="6609127" cy="3268614"/>
           </a:xfrm>
           <a:prstGeom prst="rect">
             <a:avLst/>
@@ -6697,6 +6753,62 @@
               </a:rPr>
               <a:t>구매하러 가기버튼을 클릭하면 해당 제품 판매 페이지로 이동</a:t>
             </a:r>
+            <a:endParaRPr lang="en-US" altLang="ko-KR" sz="1200" dirty="0">
+              <a:solidFill>
+                <a:schemeClr val="tx1"/>
+              </a:solidFill>
+              <a:latin typeface="+mn-ea"/>
+            </a:endParaRPr>
+          </a:p>
+          <a:p>
+            <a:endParaRPr lang="en-US" altLang="ko-KR" sz="1200" kern="0" dirty="0">
+              <a:solidFill>
+                <a:schemeClr val="tx1"/>
+              </a:solidFill>
+              <a:latin typeface="+mn-ea"/>
+            </a:endParaRPr>
+          </a:p>
+          <a:p>
+            <a:endParaRPr lang="en-US" altLang="ko-KR" sz="1200" kern="0" dirty="0">
+              <a:solidFill>
+                <a:schemeClr val="tx1"/>
+              </a:solidFill>
+              <a:latin typeface="+mn-ea"/>
+            </a:endParaRPr>
+          </a:p>
+          <a:p>
+            <a:endParaRPr lang="en-US" altLang="ko-KR" sz="1200" kern="0" dirty="0">
+              <a:solidFill>
+                <a:schemeClr val="tx1"/>
+              </a:solidFill>
+              <a:latin typeface="+mn-ea"/>
+            </a:endParaRPr>
+          </a:p>
+          <a:p>
+            <a:endParaRPr lang="en-US" altLang="ko-KR" sz="1200" kern="0" dirty="0">
+              <a:solidFill>
+                <a:schemeClr val="tx1"/>
+              </a:solidFill>
+              <a:latin typeface="+mn-ea"/>
+            </a:endParaRPr>
+          </a:p>
+          <a:p>
+            <a:endParaRPr lang="en-US" altLang="ko-KR" sz="1200" kern="0" dirty="0">
+              <a:solidFill>
+                <a:schemeClr val="tx1"/>
+              </a:solidFill>
+              <a:latin typeface="+mn-ea"/>
+            </a:endParaRPr>
+          </a:p>
+          <a:p>
+            <a:endParaRPr lang="en-US" altLang="ko-KR" sz="1200" kern="0" dirty="0">
+              <a:solidFill>
+                <a:schemeClr val="tx1"/>
+              </a:solidFill>
+              <a:latin typeface="+mn-ea"/>
+            </a:endParaRPr>
+          </a:p>
+          <a:p>
             <a:endParaRPr lang="en-US" altLang="ko-KR" sz="1200" kern="0" dirty="0">
               <a:solidFill>
                 <a:srgbClr val="000000"/>
@@ -7374,8 +7486,8 @@
         </p:blipFill>
         <p:spPr>
           <a:xfrm>
-            <a:off x="3020035" y="746484"/>
-            <a:ext cx="6609127" cy="3293455"/>
+            <a:off x="3020035" y="754768"/>
+            <a:ext cx="6609127" cy="3276887"/>
           </a:xfrm>
           <a:prstGeom prst="rect">
             <a:avLst/>
@@ -8182,7 +8294,36 @@
                   <a:schemeClr val="tx1"/>
                 </a:solidFill>
               </a:rPr>
-              <a:t>페이지 클릭시 해당 번호 페이지로 이동 </a:t>
+              <a:t>페이지 클릭시 해당 번호 페이지로 이동</a:t>
+            </a:r>
+            <a:endParaRPr lang="en-US" altLang="ko-KR" sz="1200" dirty="0">
+              <a:solidFill>
+                <a:schemeClr val="tx1"/>
+              </a:solidFill>
+            </a:endParaRPr>
+          </a:p>
+          <a:p>
+            <a:endParaRPr lang="en-US" altLang="ko-KR" sz="1200" dirty="0">
+              <a:solidFill>
+                <a:schemeClr val="tx1"/>
+              </a:solidFill>
+            </a:endParaRPr>
+          </a:p>
+          <a:p>
+            <a:endParaRPr lang="en-US" altLang="ko-KR" sz="1200" dirty="0">
+              <a:solidFill>
+                <a:schemeClr val="tx1"/>
+              </a:solidFill>
+            </a:endParaRPr>
+          </a:p>
+          <a:p>
+            <a:r>
+              <a:rPr lang="ko-KR" altLang="en-US" sz="1200" dirty="0">
+                <a:solidFill>
+                  <a:schemeClr val="tx1"/>
+                </a:solidFill>
+              </a:rPr>
+              <a:t> </a:t>
             </a:r>
             <a:endParaRPr lang="en-US" altLang="ko-KR" sz="1200" dirty="0">
               <a:solidFill>
@@ -8852,8 +8993,8 @@
         </p:blipFill>
         <p:spPr>
           <a:xfrm>
-            <a:off x="3020035" y="752057"/>
-            <a:ext cx="6609127" cy="3282310"/>
+            <a:off x="3039530" y="752057"/>
+            <a:ext cx="6570136" cy="3282310"/>
           </a:xfrm>
           <a:prstGeom prst="rect">
             <a:avLst/>
@@ -9780,6 +9921,46 @@
               </a:rPr>
               <a:t>로 이동</a:t>
             </a:r>
+            <a:endParaRPr lang="en-US" altLang="ko-KR" sz="1200" dirty="0">
+              <a:solidFill>
+                <a:schemeClr val="tx1"/>
+              </a:solidFill>
+              <a:latin typeface="+mn-ea"/>
+            </a:endParaRPr>
+          </a:p>
+          <a:p>
+            <a:endParaRPr lang="en-US" altLang="ko-KR" sz="1200" dirty="0">
+              <a:solidFill>
+                <a:schemeClr val="tx1"/>
+              </a:solidFill>
+              <a:latin typeface="+mn-ea"/>
+            </a:endParaRPr>
+          </a:p>
+          <a:p>
+            <a:endParaRPr lang="en-US" altLang="ko-KR" sz="1200" dirty="0">
+              <a:solidFill>
+                <a:schemeClr val="tx1"/>
+              </a:solidFill>
+              <a:latin typeface="+mn-ea"/>
+            </a:endParaRPr>
+          </a:p>
+          <a:p>
+            <a:endParaRPr lang="en-US" altLang="ko-KR" sz="1200" dirty="0">
+              <a:solidFill>
+                <a:schemeClr val="tx1"/>
+              </a:solidFill>
+              <a:latin typeface="+mn-ea"/>
+            </a:endParaRPr>
+          </a:p>
+          <a:p>
+            <a:endParaRPr lang="en-US" altLang="ko-KR" sz="1200" dirty="0">
+              <a:solidFill>
+                <a:schemeClr val="tx1"/>
+              </a:solidFill>
+              <a:latin typeface="+mn-ea"/>
+            </a:endParaRPr>
+          </a:p>
+          <a:p>
             <a:endParaRPr lang="en-US" altLang="ko-KR" sz="1200" dirty="0">
               <a:solidFill>
                 <a:schemeClr val="tx1"/>
@@ -10465,8 +10646,8 @@
         </p:blipFill>
         <p:spPr>
           <a:xfrm>
-            <a:off x="3020035" y="742320"/>
-            <a:ext cx="6609127" cy="3301784"/>
+            <a:off x="3028354" y="742320"/>
+            <a:ext cx="6592488" cy="3301784"/>
           </a:xfrm>
           <a:prstGeom prst="rect">
             <a:avLst/>
@@ -11398,6 +11579,40 @@
               </a:rPr>
               <a:t>로 이동 </a:t>
             </a:r>
+            <a:endParaRPr lang="en-US" altLang="ko-KR" sz="1200" dirty="0">
+              <a:solidFill>
+                <a:schemeClr val="tx1"/>
+              </a:solidFill>
+              <a:latin typeface="+mn-ea"/>
+            </a:endParaRPr>
+          </a:p>
+          <a:p>
+            <a:endParaRPr lang="en-US" altLang="ko-KR" sz="1200" kern="0" spc="0" dirty="0">
+              <a:solidFill>
+                <a:schemeClr val="tx1"/>
+              </a:solidFill>
+              <a:effectLst/>
+              <a:latin typeface="+mn-ea"/>
+            </a:endParaRPr>
+          </a:p>
+          <a:p>
+            <a:endParaRPr lang="en-US" altLang="ko-KR" sz="1200" kern="0" dirty="0">
+              <a:solidFill>
+                <a:schemeClr val="tx1"/>
+              </a:solidFill>
+              <a:latin typeface="+mn-ea"/>
+            </a:endParaRPr>
+          </a:p>
+          <a:p>
+            <a:endParaRPr lang="en-US" altLang="ko-KR" sz="1200" kern="0" spc="0" dirty="0">
+              <a:solidFill>
+                <a:schemeClr val="tx1"/>
+              </a:solidFill>
+              <a:effectLst/>
+              <a:latin typeface="+mn-ea"/>
+            </a:endParaRPr>
+          </a:p>
+          <a:p>
             <a:endParaRPr lang="en-US" altLang="ko-KR" sz="1200" kern="0" spc="0" dirty="0">
               <a:solidFill>
                 <a:srgbClr val="000000"/>
@@ -12102,8 +12317,8 @@
         </p:blipFill>
         <p:spPr>
           <a:xfrm>
-            <a:off x="3020035" y="742322"/>
-            <a:ext cx="6609127" cy="3301779"/>
+            <a:off x="3020035" y="749261"/>
+            <a:ext cx="6609127" cy="3287901"/>
           </a:xfrm>
           <a:prstGeom prst="rect">
             <a:avLst/>
@@ -13001,6 +13216,30 @@
               </a:rPr>
               <a:t>로 이동</a:t>
             </a:r>
+            <a:endParaRPr lang="en-US" altLang="ko-KR" sz="1200" dirty="0">
+              <a:solidFill>
+                <a:schemeClr val="tx1"/>
+              </a:solidFill>
+              <a:latin typeface="+mn-ea"/>
+            </a:endParaRPr>
+          </a:p>
+          <a:p>
+            <a:endParaRPr lang="en-US" altLang="ko-KR" sz="1200" dirty="0">
+              <a:solidFill>
+                <a:schemeClr val="tx1"/>
+              </a:solidFill>
+              <a:latin typeface="+mn-ea"/>
+            </a:endParaRPr>
+          </a:p>
+          <a:p>
+            <a:endParaRPr lang="en-US" altLang="ko-KR" sz="1200" dirty="0">
+              <a:solidFill>
+                <a:schemeClr val="tx1"/>
+              </a:solidFill>
+              <a:latin typeface="+mn-ea"/>
+            </a:endParaRPr>
+          </a:p>
+          <a:p>
             <a:endParaRPr lang="en-US" altLang="ko-KR" sz="1200" dirty="0">
               <a:solidFill>
                 <a:schemeClr val="tx1"/>
@@ -13704,8 +13943,8 @@
         </p:blipFill>
         <p:spPr>
           <a:xfrm>
-            <a:off x="3020035" y="736754"/>
-            <a:ext cx="6609127" cy="3312915"/>
+            <a:off x="3020035" y="742317"/>
+            <a:ext cx="6609127" cy="3301788"/>
           </a:xfrm>
           <a:prstGeom prst="rect">
             <a:avLst/>
@@ -14487,6 +14726,42 @@
           </a:fontRef>
         </p:style>
       </p:cxnSp>
+      <p:pic>
+        <p:nvPicPr>
+          <p:cNvPr id="3" name="Picture 2">
+            <a:extLst>
+              <a:ext uri="{FF2B5EF4-FFF2-40B4-BE49-F238E27FC236}">
+                <a16:creationId xmlns:a16="http://schemas.microsoft.com/office/drawing/2014/main" id="{91750E39-F882-7693-13BC-523504C436E8}"/>
+              </a:ext>
+            </a:extLst>
+          </p:cNvPr>
+          <p:cNvPicPr>
+            <a:picLocks noChangeAspect="1"/>
+          </p:cNvPicPr>
+          <p:nvPr/>
+        </p:nvPicPr>
+        <p:blipFill>
+          <a:blip r:embed="rId3">
+            <a:extLst>
+              <a:ext uri="{28A0092B-C50C-407E-A947-70E740481C1C}">
+                <a14:useLocalDpi xmlns:a14="http://schemas.microsoft.com/office/drawing/2010/main" val="0"/>
+              </a:ext>
+            </a:extLst>
+          </a:blip>
+          <a:stretch>
+            <a:fillRect/>
+          </a:stretch>
+        </p:blipFill>
+        <p:spPr>
+          <a:xfrm>
+            <a:off x="622169" y="1347944"/>
+            <a:ext cx="8664444" cy="4411097"/>
+          </a:xfrm>
+          <a:prstGeom prst="rect">
+            <a:avLst/>
+          </a:prstGeom>
+        </p:spPr>
+      </p:pic>
     </p:spTree>
     <p:extLst>
       <p:ext uri="{BB962C8B-B14F-4D97-AF65-F5344CB8AC3E}">
@@ -14913,12 +15188,69 @@
               </a:rPr>
               <a:t>로 이동</a:t>
             </a:r>
-            <a:endParaRPr lang="en-US" altLang="ko-KR" sz="1200" dirty="0">
-              <a:solidFill>
-                <a:schemeClr val="tx1"/>
-              </a:solidFill>
-              <a:latin typeface="+mn-ea"/>
-            </a:endParaRPr>
+            <a:r>
+              <a:rPr lang="en-US" altLang="ko-KR" sz="1200" dirty="0">
+                <a:solidFill>
+                  <a:schemeClr val="tx1"/>
+                </a:solidFill>
+                <a:latin typeface="+mn-ea"/>
+              </a:rPr>
+              <a:t>(</a:t>
+            </a:r>
+            <a:r>
+              <a:rPr lang="en-US" altLang="ko-KR" sz="1200" dirty="0" err="1">
+                <a:solidFill>
+                  <a:schemeClr val="tx1"/>
+                </a:solidFill>
+                <a:latin typeface="+mn-ea"/>
+              </a:rPr>
+              <a:t>Shoses</a:t>
+            </a:r>
+            <a:r>
+              <a:rPr lang="en-US" altLang="ko-KR" sz="1200" dirty="0">
+                <a:solidFill>
+                  <a:schemeClr val="tx1"/>
+                </a:solidFill>
+                <a:latin typeface="+mn-ea"/>
+              </a:rPr>
+              <a:t> </a:t>
+            </a:r>
+            <a:r>
+              <a:rPr lang="ko-KR" altLang="en-US" sz="1200" dirty="0">
+                <a:solidFill>
+                  <a:schemeClr val="tx1"/>
+                </a:solidFill>
+                <a:latin typeface="+mn-ea"/>
+              </a:rPr>
+              <a:t>클릭시 </a:t>
+            </a:r>
+            <a:r>
+              <a:rPr lang="en-US" altLang="ko-KR" sz="1200" dirty="0">
+                <a:solidFill>
+                  <a:schemeClr val="tx1"/>
+                </a:solidFill>
+                <a:latin typeface="+mn-ea"/>
+              </a:rPr>
+              <a:t>category02</a:t>
+            </a:r>
+            <a:r>
+              <a:rPr lang="ko-KR" altLang="en-US" sz="1200" dirty="0">
+                <a:solidFill>
+                  <a:schemeClr val="tx1"/>
+                </a:solidFill>
+                <a:latin typeface="+mn-ea"/>
+              </a:rPr>
+              <a:t>로 이동</a:t>
+            </a:r>
+            <a:r>
+              <a:rPr lang="en-US" altLang="ko-KR" sz="1200" dirty="0">
+                <a:solidFill>
+                  <a:schemeClr val="tx1"/>
+                </a:solidFill>
+                <a:latin typeface="+mn-ea"/>
+              </a:rPr>
+              <a:t>)</a:t>
+            </a:r>
           </a:p>
           <a:p>
             <a:r>
@@ -15771,8 +16103,8 @@
         </p:blipFill>
         <p:spPr>
           <a:xfrm>
-            <a:off x="3020035" y="600923"/>
-            <a:ext cx="6609127" cy="3584578"/>
+            <a:off x="3020035" y="738163"/>
+            <a:ext cx="6609127" cy="3310098"/>
           </a:xfrm>
           <a:prstGeom prst="rect">
             <a:avLst/>
@@ -16443,6 +16775,38 @@
               </a:rPr>
               <a:t>로 이동</a:t>
             </a:r>
+            <a:endParaRPr lang="en-US" altLang="ko-KR" sz="1200" dirty="0">
+              <a:solidFill>
+                <a:schemeClr val="tx1"/>
+              </a:solidFill>
+              <a:latin typeface="+mn-ea"/>
+            </a:endParaRPr>
+          </a:p>
+          <a:p>
+            <a:endParaRPr lang="en-US" altLang="ko-KR" sz="1200" dirty="0">
+              <a:solidFill>
+                <a:schemeClr val="tx1"/>
+              </a:solidFill>
+              <a:latin typeface="+mn-ea"/>
+            </a:endParaRPr>
+          </a:p>
+          <a:p>
+            <a:endParaRPr lang="en-US" altLang="ko-KR" sz="1200" dirty="0">
+              <a:solidFill>
+                <a:schemeClr val="tx1"/>
+              </a:solidFill>
+              <a:latin typeface="+mn-ea"/>
+            </a:endParaRPr>
+          </a:p>
+          <a:p>
+            <a:endParaRPr lang="en-US" altLang="ko-KR" sz="1200" dirty="0">
+              <a:solidFill>
+                <a:schemeClr val="tx1"/>
+              </a:solidFill>
+              <a:latin typeface="+mn-ea"/>
+            </a:endParaRPr>
+          </a:p>
+          <a:p>
             <a:endParaRPr lang="en-US" altLang="ko-KR" sz="1200" dirty="0">
               <a:solidFill>
                 <a:schemeClr val="tx1"/>
@@ -17142,8 +17506,8 @@
         </p:blipFill>
         <p:spPr>
           <a:xfrm>
-            <a:off x="3020035" y="729841"/>
-            <a:ext cx="6609127" cy="3326741"/>
+            <a:off x="3020035" y="749233"/>
+            <a:ext cx="6609127" cy="3287957"/>
           </a:xfrm>
           <a:prstGeom prst="rect">
             <a:avLst/>
@@ -17936,6 +18300,48 @@
               </a:rPr>
               <a:t>로 이동</a:t>
             </a:r>
+            <a:endParaRPr lang="en-US" altLang="ko-KR" sz="1200" dirty="0">
+              <a:solidFill>
+                <a:schemeClr val="tx1"/>
+              </a:solidFill>
+            </a:endParaRPr>
+          </a:p>
+          <a:p>
+            <a:endParaRPr lang="en-US" altLang="ko-KR" sz="1200" dirty="0">
+              <a:solidFill>
+                <a:schemeClr val="tx1"/>
+              </a:solidFill>
+            </a:endParaRPr>
+          </a:p>
+          <a:p>
+            <a:endParaRPr lang="en-US" altLang="ko-KR" sz="1200" dirty="0">
+              <a:solidFill>
+                <a:schemeClr val="tx1"/>
+              </a:solidFill>
+            </a:endParaRPr>
+          </a:p>
+          <a:p>
+            <a:endParaRPr lang="en-US" altLang="ko-KR" sz="1200" dirty="0">
+              <a:solidFill>
+                <a:schemeClr val="tx1"/>
+              </a:solidFill>
+            </a:endParaRPr>
+          </a:p>
+          <a:p>
+            <a:endParaRPr lang="en-US" altLang="ko-KR" sz="1200" dirty="0">
+              <a:solidFill>
+                <a:schemeClr val="tx1"/>
+              </a:solidFill>
+            </a:endParaRPr>
+          </a:p>
+          <a:p>
+            <a:endParaRPr lang="en-US" altLang="ko-KR" sz="1200" dirty="0">
+              <a:solidFill>
+                <a:schemeClr val="tx1"/>
+              </a:solidFill>
+            </a:endParaRPr>
+          </a:p>
+          <a:p>
             <a:endParaRPr lang="en-US" altLang="ko-KR" sz="1200" dirty="0">
               <a:solidFill>
                 <a:schemeClr val="tx1"/>
@@ -19209,8 +19615,67 @@
                 </a:solidFill>
                 <a:latin typeface="+mn-ea"/>
               </a:rPr>
-              <a:t>연예인착용 사진을 클릭 시 해당 제품의 정보페이지 로 이동</a:t>
-            </a:r>
+              <a:t>연예인착용 사진을 클릭 시 해당 제품의 정보페이지로 이동</a:t>
+            </a:r>
+            <a:endParaRPr lang="en-US" altLang="ko-KR" sz="1200" dirty="0">
+              <a:solidFill>
+                <a:schemeClr val="tx1"/>
+              </a:solidFill>
+              <a:latin typeface="+mn-ea"/>
+            </a:endParaRPr>
+          </a:p>
+          <a:p>
+            <a:endParaRPr lang="en-US" altLang="ko-KR" sz="1200" kern="0" spc="0" dirty="0">
+              <a:solidFill>
+                <a:schemeClr val="tx1"/>
+              </a:solidFill>
+              <a:effectLst/>
+              <a:latin typeface="+mn-ea"/>
+            </a:endParaRPr>
+          </a:p>
+          <a:p>
+            <a:endParaRPr lang="en-US" altLang="ko-KR" sz="1200" kern="0" dirty="0">
+              <a:solidFill>
+                <a:schemeClr val="tx1"/>
+              </a:solidFill>
+              <a:latin typeface="+mn-ea"/>
+            </a:endParaRPr>
+          </a:p>
+          <a:p>
+            <a:endParaRPr lang="en-US" altLang="ko-KR" sz="1200" kern="0" spc="0" dirty="0">
+              <a:solidFill>
+                <a:schemeClr val="tx1"/>
+              </a:solidFill>
+              <a:effectLst/>
+              <a:latin typeface="+mn-ea"/>
+            </a:endParaRPr>
+          </a:p>
+          <a:p>
+            <a:endParaRPr lang="en-US" altLang="ko-KR" sz="1200" kern="0" dirty="0">
+              <a:solidFill>
+                <a:schemeClr val="tx1"/>
+              </a:solidFill>
+              <a:latin typeface="+mn-ea"/>
+            </a:endParaRPr>
+          </a:p>
+          <a:p>
+            <a:endParaRPr lang="en-US" altLang="ko-KR" sz="1200" kern="0" spc="0" dirty="0">
+              <a:solidFill>
+                <a:schemeClr val="tx1"/>
+              </a:solidFill>
+              <a:effectLst/>
+              <a:latin typeface="+mn-ea"/>
+            </a:endParaRPr>
+          </a:p>
+          <a:p>
+            <a:endParaRPr lang="en-US" altLang="ko-KR" sz="1200" kern="0" dirty="0">
+              <a:solidFill>
+                <a:schemeClr val="tx1"/>
+              </a:solidFill>
+              <a:latin typeface="+mn-ea"/>
+            </a:endParaRPr>
+          </a:p>
+          <a:p>
             <a:endParaRPr lang="en-US" altLang="ko-KR" sz="1200" kern="0" spc="0" dirty="0">
               <a:solidFill>
                 <a:schemeClr val="tx1"/>
@@ -19897,8 +20362,8 @@
         </p:blipFill>
         <p:spPr>
           <a:xfrm>
-            <a:off x="3020035" y="743712"/>
-            <a:ext cx="6609127" cy="3299000"/>
+            <a:off x="3020063" y="743712"/>
+            <a:ext cx="6609070" cy="3299000"/>
           </a:xfrm>
           <a:prstGeom prst="rect">
             <a:avLst/>
@@ -20427,6 +20892,25 @@
               </a:rPr>
               <a:t>       </a:t>
             </a:r>
+          </a:p>
+          <a:p>
+            <a:endParaRPr lang="en-US" altLang="ko-KR" sz="1200" kern="0" dirty="0">
+              <a:solidFill>
+                <a:schemeClr val="tx1"/>
+              </a:solidFill>
+              <a:latin typeface="+mn-ea"/>
+            </a:endParaRPr>
+          </a:p>
+          <a:p>
+            <a:r>
+              <a:rPr lang="en-US" altLang="ko-KR" sz="1200" kern="0" dirty="0">
+                <a:solidFill>
+                  <a:schemeClr val="tx1"/>
+                </a:solidFill>
+                <a:latin typeface="+mn-ea"/>
+              </a:rPr>
+              <a:t>       </a:t>
+            </a:r>
             <a:r>
               <a:rPr lang="ko-KR" altLang="en-US" sz="1200" kern="0" spc="0" dirty="0">
                 <a:solidFill>
@@ -20502,8 +20986,16 @@
                 </a:solidFill>
                 <a:latin typeface="+mn-ea"/>
               </a:rPr>
-              <a:t>연예인 사진을 클릭 시 해당 연예인 착용 정보 리스트 페이지 </a:t>
-            </a:r>
+              <a:t>연예인 사진을 클릭 시 해당 연예인 페이지로 이동</a:t>
+            </a:r>
+            <a:endParaRPr lang="en-US" altLang="ko-KR" sz="1200" dirty="0">
+              <a:solidFill>
+                <a:schemeClr val="tx1"/>
+              </a:solidFill>
+              <a:latin typeface="+mn-ea"/>
+            </a:endParaRPr>
+          </a:p>
+          <a:p>
             <a:r>
               <a:rPr lang="en-US" altLang="ko-KR" sz="1200" dirty="0">
                 <a:solidFill>
@@ -20511,7 +21003,7 @@
                 </a:solidFill>
                 <a:latin typeface="+mn-ea"/>
               </a:rPr>
-              <a:t>artist02</a:t>
+              <a:t>           (</a:t>
             </a:r>
             <a:r>
               <a:rPr lang="ko-KR" altLang="en-US" sz="1200" dirty="0">
@@ -20520,8 +21012,93 @@
                 </a:solidFill>
                 <a:latin typeface="+mn-ea"/>
               </a:rPr>
+              <a:t>지수사진 클릭 시 </a:t>
+            </a:r>
+            <a:r>
+              <a:rPr lang="en-US" altLang="ko-KR" sz="1200" dirty="0">
+                <a:solidFill>
+                  <a:schemeClr val="tx1"/>
+                </a:solidFill>
+                <a:latin typeface="+mn-ea"/>
+              </a:rPr>
+              <a:t>jisu01</a:t>
+            </a:r>
+            <a:r>
+              <a:rPr lang="ko-KR" altLang="en-US" sz="1200" dirty="0">
+                <a:solidFill>
+                  <a:schemeClr val="tx1"/>
+                </a:solidFill>
+                <a:latin typeface="+mn-ea"/>
+              </a:rPr>
               <a:t>로 이동</a:t>
             </a:r>
+            <a:r>
+              <a:rPr lang="en-US" altLang="ko-KR" sz="1200" dirty="0">
+                <a:solidFill>
+                  <a:schemeClr val="tx1"/>
+                </a:solidFill>
+                <a:latin typeface="+mn-ea"/>
+              </a:rPr>
+              <a:t>)</a:t>
+            </a:r>
+          </a:p>
+          <a:p>
+            <a:endParaRPr lang="en-US" altLang="ko-KR" sz="1200" dirty="0">
+              <a:solidFill>
+                <a:schemeClr val="tx1"/>
+              </a:solidFill>
+              <a:latin typeface="+mn-ea"/>
+            </a:endParaRPr>
+          </a:p>
+          <a:p>
+            <a:endParaRPr lang="en-US" altLang="ko-KR" sz="1200" dirty="0">
+              <a:solidFill>
+                <a:schemeClr val="tx1"/>
+              </a:solidFill>
+              <a:latin typeface="+mn-ea"/>
+            </a:endParaRPr>
+          </a:p>
+          <a:p>
+            <a:endParaRPr lang="en-US" altLang="ko-KR" sz="1200" dirty="0">
+              <a:solidFill>
+                <a:schemeClr val="tx1"/>
+              </a:solidFill>
+              <a:latin typeface="+mn-ea"/>
+            </a:endParaRPr>
+          </a:p>
+          <a:p>
+            <a:endParaRPr lang="en-US" altLang="ko-KR" sz="1200" dirty="0">
+              <a:solidFill>
+                <a:schemeClr val="tx1"/>
+              </a:solidFill>
+              <a:latin typeface="+mn-ea"/>
+            </a:endParaRPr>
+          </a:p>
+          <a:p>
+            <a:endParaRPr lang="en-US" altLang="ko-KR" sz="1200" dirty="0">
+              <a:solidFill>
+                <a:schemeClr val="tx1"/>
+              </a:solidFill>
+              <a:latin typeface="+mn-ea"/>
+            </a:endParaRPr>
+          </a:p>
+          <a:p>
+            <a:endParaRPr lang="en-US" altLang="ko-KR" sz="1200" dirty="0">
+              <a:solidFill>
+                <a:schemeClr val="tx1"/>
+              </a:solidFill>
+              <a:latin typeface="+mn-ea"/>
+            </a:endParaRPr>
+          </a:p>
+          <a:p>
+            <a:endParaRPr lang="en-US" altLang="ko-KR" sz="1200" dirty="0">
+              <a:solidFill>
+                <a:schemeClr val="tx1"/>
+              </a:solidFill>
+              <a:latin typeface="+mn-ea"/>
+            </a:endParaRPr>
+          </a:p>
+          <a:p>
             <a:endParaRPr lang="en-US" altLang="ko-KR" sz="1200" dirty="0">
               <a:solidFill>
                 <a:schemeClr val="tx1"/>
@@ -21199,8 +21776,8 @@
         </p:blipFill>
         <p:spPr>
           <a:xfrm>
-            <a:off x="3020035" y="743712"/>
-            <a:ext cx="6609127" cy="3299000"/>
+            <a:off x="3020035" y="749233"/>
+            <a:ext cx="6609127" cy="3287957"/>
           </a:xfrm>
           <a:prstGeom prst="rect">
             <a:avLst/>
@@ -21794,26 +22371,64 @@
                 </a:solidFill>
                 <a:latin typeface="+mn-ea"/>
               </a:rPr>
-              <a:t>연예인 사진 클릭 시 해당 연예인이 착용한 제품 정보 페이지 </a:t>
-            </a:r>
-            <a:r>
-              <a:rPr lang="en-US" altLang="ko-KR" sz="1200" dirty="0">
-                <a:solidFill>
-                  <a:schemeClr val="tx1"/>
-                </a:solidFill>
-                <a:latin typeface="+mn-ea"/>
-              </a:rPr>
-              <a:t>product01</a:t>
-            </a:r>
-            <a:r>
-              <a:rPr lang="ko-KR" altLang="en-US" sz="1200" dirty="0">
-                <a:solidFill>
-                  <a:schemeClr val="tx1"/>
-                </a:solidFill>
-                <a:latin typeface="+mn-ea"/>
-              </a:rPr>
-              <a:t>로 이동</a:t>
-            </a:r>
+              <a:t>연예인 사진 클릭 시 해당 연예인이 착용한 제품 정보 페이지로 이동</a:t>
+            </a:r>
+            <a:endParaRPr lang="en-US" altLang="ko-KR" sz="1200" dirty="0">
+              <a:solidFill>
+                <a:schemeClr val="tx1"/>
+              </a:solidFill>
+              <a:latin typeface="+mn-ea"/>
+            </a:endParaRPr>
+          </a:p>
+          <a:p>
+            <a:endParaRPr lang="en-US" altLang="ko-KR" sz="1200" dirty="0">
+              <a:solidFill>
+                <a:schemeClr val="tx1"/>
+              </a:solidFill>
+              <a:latin typeface="+mn-ea"/>
+            </a:endParaRPr>
+          </a:p>
+          <a:p>
+            <a:endParaRPr lang="en-US" altLang="ko-KR" sz="1200" dirty="0">
+              <a:solidFill>
+                <a:schemeClr val="tx1"/>
+              </a:solidFill>
+              <a:latin typeface="+mn-ea"/>
+            </a:endParaRPr>
+          </a:p>
+          <a:p>
+            <a:endParaRPr lang="en-US" altLang="ko-KR" sz="1200" dirty="0">
+              <a:solidFill>
+                <a:schemeClr val="tx1"/>
+              </a:solidFill>
+              <a:latin typeface="+mn-ea"/>
+            </a:endParaRPr>
+          </a:p>
+          <a:p>
+            <a:endParaRPr lang="en-US" altLang="ko-KR" sz="1200" dirty="0">
+              <a:solidFill>
+                <a:schemeClr val="tx1"/>
+              </a:solidFill>
+              <a:latin typeface="+mn-ea"/>
+            </a:endParaRPr>
+          </a:p>
+          <a:p>
+            <a:endParaRPr lang="en-US" altLang="ko-KR" sz="1200" dirty="0">
+              <a:solidFill>
+                <a:schemeClr val="tx1"/>
+              </a:solidFill>
+              <a:latin typeface="+mn-ea"/>
+            </a:endParaRPr>
+          </a:p>
+          <a:p>
+            <a:endParaRPr lang="en-US" altLang="ko-KR" sz="1200" dirty="0">
+              <a:solidFill>
+                <a:schemeClr val="tx1"/>
+              </a:solidFill>
+              <a:latin typeface="+mn-ea"/>
+            </a:endParaRPr>
+          </a:p>
+          <a:p>
             <a:endParaRPr lang="en-US" altLang="ko-KR" sz="1200" dirty="0">
               <a:solidFill>
                 <a:schemeClr val="tx1"/>
@@ -22199,7 +22814,7 @@
                     <a:srgbClr val="DCAE4B"/>
                   </a:solidFill>
                 </a:rPr>
-                <a:t>artist02</a:t>
+                <a:t>jisu01</a:t>
               </a:r>
             </a:p>
           </p:txBody>
@@ -22491,8 +23106,8 @@
         </p:blipFill>
         <p:spPr>
           <a:xfrm>
-            <a:off x="3020035" y="743707"/>
-            <a:ext cx="6609127" cy="3299009"/>
+            <a:off x="3020054" y="743707"/>
+            <a:ext cx="6609088" cy="3299009"/>
           </a:xfrm>
           <a:prstGeom prst="rect">
             <a:avLst/>

--- a/산출문서/화면설계서/화면설계서_서식(1조. HappyVirus) (최종).pptx
+++ b/산출문서/화면설계서/화면설계서_서식(1조. HappyVirus) (최종).pptx
@@ -211,7 +211,7 @@
           <a:p>
             <a:fld id="{A7E5D514-4841-4DBD-89D8-5BD5E2EF99F8}" type="datetimeFigureOut">
               <a:rPr lang="ko-KR" altLang="en-US" smtClean="0"/>
-              <a:t>2022-12-12</a:t>
+              <a:t>2022-12-13</a:t>
             </a:fld>
             <a:endParaRPr lang="ko-KR" altLang="en-US"/>
           </a:p>
@@ -1978,7 +1978,7 @@
           <a:p>
             <a:fld id="{C0F51B65-CB5E-424A-A210-7B3C910D82A4}" type="datetimeFigureOut">
               <a:rPr lang="ko-KR" altLang="en-US" smtClean="0"/>
-              <a:t>2022-12-12</a:t>
+              <a:t>2022-12-13</a:t>
             </a:fld>
             <a:endParaRPr lang="ko-KR" altLang="en-US"/>
           </a:p>
@@ -2148,7 +2148,7 @@
           <a:p>
             <a:fld id="{C0F51B65-CB5E-424A-A210-7B3C910D82A4}" type="datetimeFigureOut">
               <a:rPr lang="ko-KR" altLang="en-US" smtClean="0"/>
-              <a:t>2022-12-12</a:t>
+              <a:t>2022-12-13</a:t>
             </a:fld>
             <a:endParaRPr lang="ko-KR" altLang="en-US"/>
           </a:p>
@@ -2328,7 +2328,7 @@
           <a:p>
             <a:fld id="{C0F51B65-CB5E-424A-A210-7B3C910D82A4}" type="datetimeFigureOut">
               <a:rPr lang="ko-KR" altLang="en-US" smtClean="0"/>
-              <a:t>2022-12-12</a:t>
+              <a:t>2022-12-13</a:t>
             </a:fld>
             <a:endParaRPr lang="ko-KR" altLang="en-US"/>
           </a:p>
@@ -2498,7 +2498,7 @@
           <a:p>
             <a:fld id="{C0F51B65-CB5E-424A-A210-7B3C910D82A4}" type="datetimeFigureOut">
               <a:rPr lang="ko-KR" altLang="en-US" smtClean="0"/>
-              <a:t>2022-12-12</a:t>
+              <a:t>2022-12-13</a:t>
             </a:fld>
             <a:endParaRPr lang="ko-KR" altLang="en-US"/>
           </a:p>
@@ -2742,7 +2742,7 @@
           <a:p>
             <a:fld id="{C0F51B65-CB5E-424A-A210-7B3C910D82A4}" type="datetimeFigureOut">
               <a:rPr lang="ko-KR" altLang="en-US" smtClean="0"/>
-              <a:t>2022-12-12</a:t>
+              <a:t>2022-12-13</a:t>
             </a:fld>
             <a:endParaRPr lang="ko-KR" altLang="en-US"/>
           </a:p>
@@ -2974,7 +2974,7 @@
           <a:p>
             <a:fld id="{C0F51B65-CB5E-424A-A210-7B3C910D82A4}" type="datetimeFigureOut">
               <a:rPr lang="ko-KR" altLang="en-US" smtClean="0"/>
-              <a:t>2022-12-12</a:t>
+              <a:t>2022-12-13</a:t>
             </a:fld>
             <a:endParaRPr lang="ko-KR" altLang="en-US"/>
           </a:p>
@@ -3341,7 +3341,7 @@
           <a:p>
             <a:fld id="{C0F51B65-CB5E-424A-A210-7B3C910D82A4}" type="datetimeFigureOut">
               <a:rPr lang="ko-KR" altLang="en-US" smtClean="0"/>
-              <a:t>2022-12-12</a:t>
+              <a:t>2022-12-13</a:t>
             </a:fld>
             <a:endParaRPr lang="ko-KR" altLang="en-US"/>
           </a:p>
@@ -3459,7 +3459,7 @@
           <a:p>
             <a:fld id="{C0F51B65-CB5E-424A-A210-7B3C910D82A4}" type="datetimeFigureOut">
               <a:rPr lang="ko-KR" altLang="en-US" smtClean="0"/>
-              <a:t>2022-12-12</a:t>
+              <a:t>2022-12-13</a:t>
             </a:fld>
             <a:endParaRPr lang="ko-KR" altLang="en-US"/>
           </a:p>
@@ -3554,7 +3554,7 @@
           <a:p>
             <a:fld id="{C0F51B65-CB5E-424A-A210-7B3C910D82A4}" type="datetimeFigureOut">
               <a:rPr lang="ko-KR" altLang="en-US" smtClean="0"/>
-              <a:t>2022-12-12</a:t>
+              <a:t>2022-12-13</a:t>
             </a:fld>
             <a:endParaRPr lang="ko-KR" altLang="en-US"/>
           </a:p>
@@ -3831,7 +3831,7 @@
           <a:p>
             <a:fld id="{C0F51B65-CB5E-424A-A210-7B3C910D82A4}" type="datetimeFigureOut">
               <a:rPr lang="ko-KR" altLang="en-US" smtClean="0"/>
-              <a:t>2022-12-12</a:t>
+              <a:t>2022-12-13</a:t>
             </a:fld>
             <a:endParaRPr lang="ko-KR" altLang="en-US"/>
           </a:p>
@@ -4088,7 +4088,7 @@
           <a:p>
             <a:fld id="{C0F51B65-CB5E-424A-A210-7B3C910D82A4}" type="datetimeFigureOut">
               <a:rPr lang="ko-KR" altLang="en-US" smtClean="0"/>
-              <a:t>2022-12-12</a:t>
+              <a:t>2022-12-13</a:t>
             </a:fld>
             <a:endParaRPr lang="ko-KR" altLang="en-US"/>
           </a:p>
@@ -4301,7 +4301,7 @@
           <a:p>
             <a:fld id="{C0F51B65-CB5E-424A-A210-7B3C910D82A4}" type="datetimeFigureOut">
               <a:rPr lang="ko-KR" altLang="en-US" smtClean="0"/>
-              <a:t>2022-12-12</a:t>
+              <a:t>2022-12-13</a:t>
             </a:fld>
             <a:endParaRPr lang="ko-KR" altLang="en-US"/>
           </a:p>
